--- a/ppt 16-9/0705.炼我愈精.pptx
+++ b/ppt 16-9/0705.炼我愈精.pptx
@@ -129,7 +129,7 @@
           <p:cNvPr id="2" name="标题 1">
             <a:extLst>
               <a:ext uri="{FF2B5EF4-FFF2-40B4-BE49-F238E27FC236}">
-                <a16:creationId xmlns:a16="http://schemas.microsoft.com/office/drawing/2014/main" id="{11CA1F43-1082-3E85-427F-39333D05BB57}"/>
+                <a16:creationId xmlns:a16="http://schemas.microsoft.com/office/drawing/2014/main" id="{A1948130-F794-20C3-B969-4EC3BB5BDF5E}"/>
               </a:ext>
             </a:extLst>
           </p:cNvPr>
@@ -166,7 +166,7 @@
           <p:cNvPr id="3" name="副标题 2">
             <a:extLst>
               <a:ext uri="{FF2B5EF4-FFF2-40B4-BE49-F238E27FC236}">
-                <a16:creationId xmlns:a16="http://schemas.microsoft.com/office/drawing/2014/main" id="{EB4EEBAE-386F-6AEB-AEF6-E6C1D3CF8A64}"/>
+                <a16:creationId xmlns:a16="http://schemas.microsoft.com/office/drawing/2014/main" id="{A062DBD7-6BFC-CBCC-A99B-363404E92086}"/>
               </a:ext>
             </a:extLst>
           </p:cNvPr>
@@ -236,7 +236,7 @@
           <p:cNvPr id="4" name="日期占位符 3">
             <a:extLst>
               <a:ext uri="{FF2B5EF4-FFF2-40B4-BE49-F238E27FC236}">
-                <a16:creationId xmlns:a16="http://schemas.microsoft.com/office/drawing/2014/main" id="{58C3B659-69B6-5DFD-6625-D6D3D83CBE35}"/>
+                <a16:creationId xmlns:a16="http://schemas.microsoft.com/office/drawing/2014/main" id="{D350C2C7-3508-6A8F-167E-51C2B996411E}"/>
               </a:ext>
             </a:extLst>
           </p:cNvPr>
@@ -252,7 +252,7 @@
           <a:bodyPr/>
           <a:lstStyle/>
           <a:p>
-            <a:fld id="{78550BC0-5793-4C1C-81AD-40E117869683}" type="datetimeFigureOut">
+            <a:fld id="{6D81AE99-0449-417B-A1B8-7BF40C2FD800}" type="datetimeFigureOut">
               <a:rPr lang="zh-CN" altLang="en-US" smtClean="0"/>
               <a:t>2024/3/10</a:t>
             </a:fld>
@@ -265,7 +265,7 @@
           <p:cNvPr id="5" name="页脚占位符 4">
             <a:extLst>
               <a:ext uri="{FF2B5EF4-FFF2-40B4-BE49-F238E27FC236}">
-                <a16:creationId xmlns:a16="http://schemas.microsoft.com/office/drawing/2014/main" id="{193ADBA4-3A39-DC99-5E67-06A6BEDCEADA}"/>
+                <a16:creationId xmlns:a16="http://schemas.microsoft.com/office/drawing/2014/main" id="{5D1C454E-3383-2C39-455E-4C2513E6397C}"/>
               </a:ext>
             </a:extLst>
           </p:cNvPr>
@@ -290,7 +290,7 @@
           <p:cNvPr id="6" name="灯片编号占位符 5">
             <a:extLst>
               <a:ext uri="{FF2B5EF4-FFF2-40B4-BE49-F238E27FC236}">
-                <a16:creationId xmlns:a16="http://schemas.microsoft.com/office/drawing/2014/main" id="{6F0756EC-362D-E597-3AD9-61A69AFCE4CA}"/>
+                <a16:creationId xmlns:a16="http://schemas.microsoft.com/office/drawing/2014/main" id="{2477F80F-CCF2-D45A-4137-F9C679B52283}"/>
               </a:ext>
             </a:extLst>
           </p:cNvPr>
@@ -306,7 +306,7 @@
           <a:bodyPr/>
           <a:lstStyle/>
           <a:p>
-            <a:fld id="{C74AA3AD-6341-4CC6-AA0E-3AA9218F2E63}" type="slidenum">
+            <a:fld id="{8ABB8E6A-18D6-4A97-84DB-354FC748EA46}" type="slidenum">
               <a:rPr lang="zh-CN" altLang="en-US" smtClean="0"/>
               <a:t>‹#›</a:t>
             </a:fld>
@@ -317,7 +317,7 @@
     </p:spTree>
     <p:extLst>
       <p:ext uri="{BB962C8B-B14F-4D97-AF65-F5344CB8AC3E}">
-        <p14:creationId xmlns:p14="http://schemas.microsoft.com/office/powerpoint/2010/main" val="1309683277"/>
+        <p14:creationId xmlns:p14="http://schemas.microsoft.com/office/powerpoint/2010/main" val="3112912909"/>
       </p:ext>
     </p:extLst>
   </p:cSld>
@@ -349,7 +349,7 @@
           <p:cNvPr id="2" name="标题 1">
             <a:extLst>
               <a:ext uri="{FF2B5EF4-FFF2-40B4-BE49-F238E27FC236}">
-                <a16:creationId xmlns:a16="http://schemas.microsoft.com/office/drawing/2014/main" id="{90493B2C-2D25-FBB5-B71E-6AFCAA61C910}"/>
+                <a16:creationId xmlns:a16="http://schemas.microsoft.com/office/drawing/2014/main" id="{B64AFC63-6039-5667-F1D5-32F2F8D8378C}"/>
               </a:ext>
             </a:extLst>
           </p:cNvPr>
@@ -377,7 +377,7 @@
           <p:cNvPr id="3" name="竖排文字占位符 2">
             <a:extLst>
               <a:ext uri="{FF2B5EF4-FFF2-40B4-BE49-F238E27FC236}">
-                <a16:creationId xmlns:a16="http://schemas.microsoft.com/office/drawing/2014/main" id="{EF1C1FBF-6F93-4457-97F3-1DF75CFE8013}"/>
+                <a16:creationId xmlns:a16="http://schemas.microsoft.com/office/drawing/2014/main" id="{ACC2FD29-F7D1-0261-7A53-AE846F71A2FE}"/>
               </a:ext>
             </a:extLst>
           </p:cNvPr>
@@ -434,7 +434,7 @@
           <p:cNvPr id="4" name="日期占位符 3">
             <a:extLst>
               <a:ext uri="{FF2B5EF4-FFF2-40B4-BE49-F238E27FC236}">
-                <a16:creationId xmlns:a16="http://schemas.microsoft.com/office/drawing/2014/main" id="{6CC92FDD-4276-6274-5690-908E3F25D952}"/>
+                <a16:creationId xmlns:a16="http://schemas.microsoft.com/office/drawing/2014/main" id="{BFFEBD63-12A5-5480-6368-43606CB3014C}"/>
               </a:ext>
             </a:extLst>
           </p:cNvPr>
@@ -450,7 +450,7 @@
           <a:bodyPr/>
           <a:lstStyle/>
           <a:p>
-            <a:fld id="{78550BC0-5793-4C1C-81AD-40E117869683}" type="datetimeFigureOut">
+            <a:fld id="{6D81AE99-0449-417B-A1B8-7BF40C2FD800}" type="datetimeFigureOut">
               <a:rPr lang="zh-CN" altLang="en-US" smtClean="0"/>
               <a:t>2024/3/10</a:t>
             </a:fld>
@@ -463,7 +463,7 @@
           <p:cNvPr id="5" name="页脚占位符 4">
             <a:extLst>
               <a:ext uri="{FF2B5EF4-FFF2-40B4-BE49-F238E27FC236}">
-                <a16:creationId xmlns:a16="http://schemas.microsoft.com/office/drawing/2014/main" id="{3F0FD6F7-F7DF-4A6E-04F4-400C9ED7936D}"/>
+                <a16:creationId xmlns:a16="http://schemas.microsoft.com/office/drawing/2014/main" id="{30576011-096D-036A-14A8-8B57CE012C24}"/>
               </a:ext>
             </a:extLst>
           </p:cNvPr>
@@ -488,7 +488,7 @@
           <p:cNvPr id="6" name="灯片编号占位符 5">
             <a:extLst>
               <a:ext uri="{FF2B5EF4-FFF2-40B4-BE49-F238E27FC236}">
-                <a16:creationId xmlns:a16="http://schemas.microsoft.com/office/drawing/2014/main" id="{5664CA0B-4D6C-5655-74E2-259C3B2D6CE9}"/>
+                <a16:creationId xmlns:a16="http://schemas.microsoft.com/office/drawing/2014/main" id="{3B6E4941-CE16-6664-0C97-76267EB0F0A4}"/>
               </a:ext>
             </a:extLst>
           </p:cNvPr>
@@ -504,7 +504,7 @@
           <a:bodyPr/>
           <a:lstStyle/>
           <a:p>
-            <a:fld id="{C74AA3AD-6341-4CC6-AA0E-3AA9218F2E63}" type="slidenum">
+            <a:fld id="{8ABB8E6A-18D6-4A97-84DB-354FC748EA46}" type="slidenum">
               <a:rPr lang="zh-CN" altLang="en-US" smtClean="0"/>
               <a:t>‹#›</a:t>
             </a:fld>
@@ -515,7 +515,7 @@
     </p:spTree>
     <p:extLst>
       <p:ext uri="{BB962C8B-B14F-4D97-AF65-F5344CB8AC3E}">
-        <p14:creationId xmlns:p14="http://schemas.microsoft.com/office/powerpoint/2010/main" val="391032249"/>
+        <p14:creationId xmlns:p14="http://schemas.microsoft.com/office/powerpoint/2010/main" val="3131696617"/>
       </p:ext>
     </p:extLst>
   </p:cSld>
@@ -547,7 +547,7 @@
           <p:cNvPr id="2" name="竖排标题 1">
             <a:extLst>
               <a:ext uri="{FF2B5EF4-FFF2-40B4-BE49-F238E27FC236}">
-                <a16:creationId xmlns:a16="http://schemas.microsoft.com/office/drawing/2014/main" id="{D847E1EB-BAAB-7003-306A-AD826B2B1F54}"/>
+                <a16:creationId xmlns:a16="http://schemas.microsoft.com/office/drawing/2014/main" id="{10B74230-96FD-2CCD-4C58-F0DC7CEA142C}"/>
               </a:ext>
             </a:extLst>
           </p:cNvPr>
@@ -580,7 +580,7 @@
           <p:cNvPr id="3" name="竖排文字占位符 2">
             <a:extLst>
               <a:ext uri="{FF2B5EF4-FFF2-40B4-BE49-F238E27FC236}">
-                <a16:creationId xmlns:a16="http://schemas.microsoft.com/office/drawing/2014/main" id="{02A9B8DD-D0F4-5178-3FE2-1CC65F7C30D4}"/>
+                <a16:creationId xmlns:a16="http://schemas.microsoft.com/office/drawing/2014/main" id="{AB65A3B0-4AE4-29DE-89C3-70F70D13084E}"/>
               </a:ext>
             </a:extLst>
           </p:cNvPr>
@@ -642,7 +642,7 @@
           <p:cNvPr id="4" name="日期占位符 3">
             <a:extLst>
               <a:ext uri="{FF2B5EF4-FFF2-40B4-BE49-F238E27FC236}">
-                <a16:creationId xmlns:a16="http://schemas.microsoft.com/office/drawing/2014/main" id="{58FAC713-50AE-60C9-7C59-D115D1F84196}"/>
+                <a16:creationId xmlns:a16="http://schemas.microsoft.com/office/drawing/2014/main" id="{23A62AF5-2B2A-9215-00EF-B77FCF156154}"/>
               </a:ext>
             </a:extLst>
           </p:cNvPr>
@@ -658,7 +658,7 @@
           <a:bodyPr/>
           <a:lstStyle/>
           <a:p>
-            <a:fld id="{78550BC0-5793-4C1C-81AD-40E117869683}" type="datetimeFigureOut">
+            <a:fld id="{6D81AE99-0449-417B-A1B8-7BF40C2FD800}" type="datetimeFigureOut">
               <a:rPr lang="zh-CN" altLang="en-US" smtClean="0"/>
               <a:t>2024/3/10</a:t>
             </a:fld>
@@ -671,7 +671,7 @@
           <p:cNvPr id="5" name="页脚占位符 4">
             <a:extLst>
               <a:ext uri="{FF2B5EF4-FFF2-40B4-BE49-F238E27FC236}">
-                <a16:creationId xmlns:a16="http://schemas.microsoft.com/office/drawing/2014/main" id="{112E5BC5-FBC0-AED4-2D00-10AFD257550D}"/>
+                <a16:creationId xmlns:a16="http://schemas.microsoft.com/office/drawing/2014/main" id="{E464A438-E314-25CB-292A-AB1461CBBD51}"/>
               </a:ext>
             </a:extLst>
           </p:cNvPr>
@@ -696,7 +696,7 @@
           <p:cNvPr id="6" name="灯片编号占位符 5">
             <a:extLst>
               <a:ext uri="{FF2B5EF4-FFF2-40B4-BE49-F238E27FC236}">
-                <a16:creationId xmlns:a16="http://schemas.microsoft.com/office/drawing/2014/main" id="{6ECD9300-7C71-2BBF-D499-4D343EB2D836}"/>
+                <a16:creationId xmlns:a16="http://schemas.microsoft.com/office/drawing/2014/main" id="{4AA6EDB0-A69D-3651-1FB0-D59997CA1E41}"/>
               </a:ext>
             </a:extLst>
           </p:cNvPr>
@@ -712,7 +712,7 @@
           <a:bodyPr/>
           <a:lstStyle/>
           <a:p>
-            <a:fld id="{C74AA3AD-6341-4CC6-AA0E-3AA9218F2E63}" type="slidenum">
+            <a:fld id="{8ABB8E6A-18D6-4A97-84DB-354FC748EA46}" type="slidenum">
               <a:rPr lang="zh-CN" altLang="en-US" smtClean="0"/>
               <a:t>‹#›</a:t>
             </a:fld>
@@ -723,7 +723,7 @@
     </p:spTree>
     <p:extLst>
       <p:ext uri="{BB962C8B-B14F-4D97-AF65-F5344CB8AC3E}">
-        <p14:creationId xmlns:p14="http://schemas.microsoft.com/office/powerpoint/2010/main" val="1298574322"/>
+        <p14:creationId xmlns:p14="http://schemas.microsoft.com/office/powerpoint/2010/main" val="850993332"/>
       </p:ext>
     </p:extLst>
   </p:cSld>
@@ -755,7 +755,7 @@
           <p:cNvPr id="2" name="标题 1">
             <a:extLst>
               <a:ext uri="{FF2B5EF4-FFF2-40B4-BE49-F238E27FC236}">
-                <a16:creationId xmlns:a16="http://schemas.microsoft.com/office/drawing/2014/main" id="{649328B7-A7D3-EBD6-86EC-901DF8A0C5A0}"/>
+                <a16:creationId xmlns:a16="http://schemas.microsoft.com/office/drawing/2014/main" id="{0CBB51D9-39D3-B8E3-5F16-E8536AABDAE4}"/>
               </a:ext>
             </a:extLst>
           </p:cNvPr>
@@ -783,7 +783,7 @@
           <p:cNvPr id="3" name="内容占位符 2">
             <a:extLst>
               <a:ext uri="{FF2B5EF4-FFF2-40B4-BE49-F238E27FC236}">
-                <a16:creationId xmlns:a16="http://schemas.microsoft.com/office/drawing/2014/main" id="{58E6AFE3-0C02-55BC-B76C-197BC91AF3A9}"/>
+                <a16:creationId xmlns:a16="http://schemas.microsoft.com/office/drawing/2014/main" id="{3D20D3F4-B89A-A042-8EBB-75906EF9FF0B}"/>
               </a:ext>
             </a:extLst>
           </p:cNvPr>
@@ -840,7 +840,7 @@
           <p:cNvPr id="4" name="日期占位符 3">
             <a:extLst>
               <a:ext uri="{FF2B5EF4-FFF2-40B4-BE49-F238E27FC236}">
-                <a16:creationId xmlns:a16="http://schemas.microsoft.com/office/drawing/2014/main" id="{DD692CDA-6BD2-0D1A-DDAE-59C8273CFB14}"/>
+                <a16:creationId xmlns:a16="http://schemas.microsoft.com/office/drawing/2014/main" id="{C8698114-F539-77F9-E101-9943A82F2F26}"/>
               </a:ext>
             </a:extLst>
           </p:cNvPr>
@@ -856,7 +856,7 @@
           <a:bodyPr/>
           <a:lstStyle/>
           <a:p>
-            <a:fld id="{78550BC0-5793-4C1C-81AD-40E117869683}" type="datetimeFigureOut">
+            <a:fld id="{6D81AE99-0449-417B-A1B8-7BF40C2FD800}" type="datetimeFigureOut">
               <a:rPr lang="zh-CN" altLang="en-US" smtClean="0"/>
               <a:t>2024/3/10</a:t>
             </a:fld>
@@ -869,7 +869,7 @@
           <p:cNvPr id="5" name="页脚占位符 4">
             <a:extLst>
               <a:ext uri="{FF2B5EF4-FFF2-40B4-BE49-F238E27FC236}">
-                <a16:creationId xmlns:a16="http://schemas.microsoft.com/office/drawing/2014/main" id="{07F97018-0BAB-E150-1F4E-5A4D778D07A0}"/>
+                <a16:creationId xmlns:a16="http://schemas.microsoft.com/office/drawing/2014/main" id="{5D95E8E7-6257-AA00-0F90-1383F50E708A}"/>
               </a:ext>
             </a:extLst>
           </p:cNvPr>
@@ -894,7 +894,7 @@
           <p:cNvPr id="6" name="灯片编号占位符 5">
             <a:extLst>
               <a:ext uri="{FF2B5EF4-FFF2-40B4-BE49-F238E27FC236}">
-                <a16:creationId xmlns:a16="http://schemas.microsoft.com/office/drawing/2014/main" id="{FCF61877-E646-A293-948C-3B7308EC18A1}"/>
+                <a16:creationId xmlns:a16="http://schemas.microsoft.com/office/drawing/2014/main" id="{200F6960-4244-6B06-0CD5-75E0D13ECACD}"/>
               </a:ext>
             </a:extLst>
           </p:cNvPr>
@@ -910,7 +910,7 @@
           <a:bodyPr/>
           <a:lstStyle/>
           <a:p>
-            <a:fld id="{C74AA3AD-6341-4CC6-AA0E-3AA9218F2E63}" type="slidenum">
+            <a:fld id="{8ABB8E6A-18D6-4A97-84DB-354FC748EA46}" type="slidenum">
               <a:rPr lang="zh-CN" altLang="en-US" smtClean="0"/>
               <a:t>‹#›</a:t>
             </a:fld>
@@ -921,7 +921,7 @@
     </p:spTree>
     <p:extLst>
       <p:ext uri="{BB962C8B-B14F-4D97-AF65-F5344CB8AC3E}">
-        <p14:creationId xmlns:p14="http://schemas.microsoft.com/office/powerpoint/2010/main" val="1019881524"/>
+        <p14:creationId xmlns:p14="http://schemas.microsoft.com/office/powerpoint/2010/main" val="2488676562"/>
       </p:ext>
     </p:extLst>
   </p:cSld>
@@ -953,7 +953,7 @@
           <p:cNvPr id="2" name="标题 1">
             <a:extLst>
               <a:ext uri="{FF2B5EF4-FFF2-40B4-BE49-F238E27FC236}">
-                <a16:creationId xmlns:a16="http://schemas.microsoft.com/office/drawing/2014/main" id="{F383D672-2ED8-94DB-A97E-B700A4502D51}"/>
+                <a16:creationId xmlns:a16="http://schemas.microsoft.com/office/drawing/2014/main" id="{D0158DAD-8130-64B1-E011-96F2CD91C64F}"/>
               </a:ext>
             </a:extLst>
           </p:cNvPr>
@@ -990,7 +990,7 @@
           <p:cNvPr id="3" name="文本占位符 2">
             <a:extLst>
               <a:ext uri="{FF2B5EF4-FFF2-40B4-BE49-F238E27FC236}">
-                <a16:creationId xmlns:a16="http://schemas.microsoft.com/office/drawing/2014/main" id="{B2F2ECF0-E1CF-32C5-E9E3-839CB888DEC8}"/>
+                <a16:creationId xmlns:a16="http://schemas.microsoft.com/office/drawing/2014/main" id="{114EC7B0-D4D6-0505-185D-1580520813A0}"/>
               </a:ext>
             </a:extLst>
           </p:cNvPr>
@@ -1115,7 +1115,7 @@
           <p:cNvPr id="4" name="日期占位符 3">
             <a:extLst>
               <a:ext uri="{FF2B5EF4-FFF2-40B4-BE49-F238E27FC236}">
-                <a16:creationId xmlns:a16="http://schemas.microsoft.com/office/drawing/2014/main" id="{63E3AF2E-078F-EE87-6513-57350CF7A5AD}"/>
+                <a16:creationId xmlns:a16="http://schemas.microsoft.com/office/drawing/2014/main" id="{ECBFEC30-3638-87E5-43ED-F7A58F283782}"/>
               </a:ext>
             </a:extLst>
           </p:cNvPr>
@@ -1131,7 +1131,7 @@
           <a:bodyPr/>
           <a:lstStyle/>
           <a:p>
-            <a:fld id="{78550BC0-5793-4C1C-81AD-40E117869683}" type="datetimeFigureOut">
+            <a:fld id="{6D81AE99-0449-417B-A1B8-7BF40C2FD800}" type="datetimeFigureOut">
               <a:rPr lang="zh-CN" altLang="en-US" smtClean="0"/>
               <a:t>2024/3/10</a:t>
             </a:fld>
@@ -1144,7 +1144,7 @@
           <p:cNvPr id="5" name="页脚占位符 4">
             <a:extLst>
               <a:ext uri="{FF2B5EF4-FFF2-40B4-BE49-F238E27FC236}">
-                <a16:creationId xmlns:a16="http://schemas.microsoft.com/office/drawing/2014/main" id="{ACF8C388-7520-F728-2553-FF4F9D58DDF8}"/>
+                <a16:creationId xmlns:a16="http://schemas.microsoft.com/office/drawing/2014/main" id="{F1DA8968-091D-2A79-DE1E-EC01D9ED91A3}"/>
               </a:ext>
             </a:extLst>
           </p:cNvPr>
@@ -1169,7 +1169,7 @@
           <p:cNvPr id="6" name="灯片编号占位符 5">
             <a:extLst>
               <a:ext uri="{FF2B5EF4-FFF2-40B4-BE49-F238E27FC236}">
-                <a16:creationId xmlns:a16="http://schemas.microsoft.com/office/drawing/2014/main" id="{F5C950B6-6173-6B54-F946-F3AF46437190}"/>
+                <a16:creationId xmlns:a16="http://schemas.microsoft.com/office/drawing/2014/main" id="{939E8385-5CA8-8857-A54C-9E16301289C5}"/>
               </a:ext>
             </a:extLst>
           </p:cNvPr>
@@ -1185,7 +1185,7 @@
           <a:bodyPr/>
           <a:lstStyle/>
           <a:p>
-            <a:fld id="{C74AA3AD-6341-4CC6-AA0E-3AA9218F2E63}" type="slidenum">
+            <a:fld id="{8ABB8E6A-18D6-4A97-84DB-354FC748EA46}" type="slidenum">
               <a:rPr lang="zh-CN" altLang="en-US" smtClean="0"/>
               <a:t>‹#›</a:t>
             </a:fld>
@@ -1196,7 +1196,7 @@
     </p:spTree>
     <p:extLst>
       <p:ext uri="{BB962C8B-B14F-4D97-AF65-F5344CB8AC3E}">
-        <p14:creationId xmlns:p14="http://schemas.microsoft.com/office/powerpoint/2010/main" val="3835070943"/>
+        <p14:creationId xmlns:p14="http://schemas.microsoft.com/office/powerpoint/2010/main" val="2084559960"/>
       </p:ext>
     </p:extLst>
   </p:cSld>
@@ -1228,7 +1228,7 @@
           <p:cNvPr id="2" name="标题 1">
             <a:extLst>
               <a:ext uri="{FF2B5EF4-FFF2-40B4-BE49-F238E27FC236}">
-                <a16:creationId xmlns:a16="http://schemas.microsoft.com/office/drawing/2014/main" id="{45CD637E-231F-99C7-2BB5-297564D8AB49}"/>
+                <a16:creationId xmlns:a16="http://schemas.microsoft.com/office/drawing/2014/main" id="{552EE560-186C-9124-3751-E39DE87EEF4A}"/>
               </a:ext>
             </a:extLst>
           </p:cNvPr>
@@ -1256,7 +1256,7 @@
           <p:cNvPr id="3" name="内容占位符 2">
             <a:extLst>
               <a:ext uri="{FF2B5EF4-FFF2-40B4-BE49-F238E27FC236}">
-                <a16:creationId xmlns:a16="http://schemas.microsoft.com/office/drawing/2014/main" id="{0C9C6B41-E87F-C94D-8FB0-06E85E04A326}"/>
+                <a16:creationId xmlns:a16="http://schemas.microsoft.com/office/drawing/2014/main" id="{1B8A017D-93D0-0917-A6EB-E6F5EE57B684}"/>
               </a:ext>
             </a:extLst>
           </p:cNvPr>
@@ -1318,7 +1318,7 @@
           <p:cNvPr id="4" name="内容占位符 3">
             <a:extLst>
               <a:ext uri="{FF2B5EF4-FFF2-40B4-BE49-F238E27FC236}">
-                <a16:creationId xmlns:a16="http://schemas.microsoft.com/office/drawing/2014/main" id="{1FFD83D8-858B-AC7C-7FA4-9653A62071ED}"/>
+                <a16:creationId xmlns:a16="http://schemas.microsoft.com/office/drawing/2014/main" id="{D6C7016E-212D-D47E-F0F9-718E3774E41B}"/>
               </a:ext>
             </a:extLst>
           </p:cNvPr>
@@ -1380,7 +1380,7 @@
           <p:cNvPr id="5" name="日期占位符 4">
             <a:extLst>
               <a:ext uri="{FF2B5EF4-FFF2-40B4-BE49-F238E27FC236}">
-                <a16:creationId xmlns:a16="http://schemas.microsoft.com/office/drawing/2014/main" id="{DA813D7B-7D85-51A7-7218-FAE8B2D484D7}"/>
+                <a16:creationId xmlns:a16="http://schemas.microsoft.com/office/drawing/2014/main" id="{E50D56E3-1CBC-8FC2-AB93-35BCAEEABE65}"/>
               </a:ext>
             </a:extLst>
           </p:cNvPr>
@@ -1396,7 +1396,7 @@
           <a:bodyPr/>
           <a:lstStyle/>
           <a:p>
-            <a:fld id="{78550BC0-5793-4C1C-81AD-40E117869683}" type="datetimeFigureOut">
+            <a:fld id="{6D81AE99-0449-417B-A1B8-7BF40C2FD800}" type="datetimeFigureOut">
               <a:rPr lang="zh-CN" altLang="en-US" smtClean="0"/>
               <a:t>2024/3/10</a:t>
             </a:fld>
@@ -1409,7 +1409,7 @@
           <p:cNvPr id="6" name="页脚占位符 5">
             <a:extLst>
               <a:ext uri="{FF2B5EF4-FFF2-40B4-BE49-F238E27FC236}">
-                <a16:creationId xmlns:a16="http://schemas.microsoft.com/office/drawing/2014/main" id="{A7D5F8C8-9D8D-911A-0C89-8E3BC1AB9607}"/>
+                <a16:creationId xmlns:a16="http://schemas.microsoft.com/office/drawing/2014/main" id="{400EBEB5-2617-13BC-0869-08C32AB1F484}"/>
               </a:ext>
             </a:extLst>
           </p:cNvPr>
@@ -1434,7 +1434,7 @@
           <p:cNvPr id="7" name="灯片编号占位符 6">
             <a:extLst>
               <a:ext uri="{FF2B5EF4-FFF2-40B4-BE49-F238E27FC236}">
-                <a16:creationId xmlns:a16="http://schemas.microsoft.com/office/drawing/2014/main" id="{DC60154F-4DE1-C8EF-0B2A-15CF34EED817}"/>
+                <a16:creationId xmlns:a16="http://schemas.microsoft.com/office/drawing/2014/main" id="{533286E1-4CDB-654E-5F10-77446B89CF0C}"/>
               </a:ext>
             </a:extLst>
           </p:cNvPr>
@@ -1450,7 +1450,7 @@
           <a:bodyPr/>
           <a:lstStyle/>
           <a:p>
-            <a:fld id="{C74AA3AD-6341-4CC6-AA0E-3AA9218F2E63}" type="slidenum">
+            <a:fld id="{8ABB8E6A-18D6-4A97-84DB-354FC748EA46}" type="slidenum">
               <a:rPr lang="zh-CN" altLang="en-US" smtClean="0"/>
               <a:t>‹#›</a:t>
             </a:fld>
@@ -1461,7 +1461,7 @@
     </p:spTree>
     <p:extLst>
       <p:ext uri="{BB962C8B-B14F-4D97-AF65-F5344CB8AC3E}">
-        <p14:creationId xmlns:p14="http://schemas.microsoft.com/office/powerpoint/2010/main" val="3485313200"/>
+        <p14:creationId xmlns:p14="http://schemas.microsoft.com/office/powerpoint/2010/main" val="3498585712"/>
       </p:ext>
     </p:extLst>
   </p:cSld>
@@ -1493,7 +1493,7 @@
           <p:cNvPr id="2" name="标题 1">
             <a:extLst>
               <a:ext uri="{FF2B5EF4-FFF2-40B4-BE49-F238E27FC236}">
-                <a16:creationId xmlns:a16="http://schemas.microsoft.com/office/drawing/2014/main" id="{CE4F8A1A-0F97-F847-09A9-FA312F8FB066}"/>
+                <a16:creationId xmlns:a16="http://schemas.microsoft.com/office/drawing/2014/main" id="{3C9AFE2F-AE33-296D-BA38-26397F985C07}"/>
               </a:ext>
             </a:extLst>
           </p:cNvPr>
@@ -1526,7 +1526,7 @@
           <p:cNvPr id="3" name="文本占位符 2">
             <a:extLst>
               <a:ext uri="{FF2B5EF4-FFF2-40B4-BE49-F238E27FC236}">
-                <a16:creationId xmlns:a16="http://schemas.microsoft.com/office/drawing/2014/main" id="{5ECA8972-ABB8-16C7-1FC0-F122C9BA74D8}"/>
+                <a16:creationId xmlns:a16="http://schemas.microsoft.com/office/drawing/2014/main" id="{76EE202F-6882-00EE-C50E-D9531D6FC41C}"/>
               </a:ext>
             </a:extLst>
           </p:cNvPr>
@@ -1597,7 +1597,7 @@
           <p:cNvPr id="4" name="内容占位符 3">
             <a:extLst>
               <a:ext uri="{FF2B5EF4-FFF2-40B4-BE49-F238E27FC236}">
-                <a16:creationId xmlns:a16="http://schemas.microsoft.com/office/drawing/2014/main" id="{5163EC44-2544-AE43-39AF-1DFBB39CF2CB}"/>
+                <a16:creationId xmlns:a16="http://schemas.microsoft.com/office/drawing/2014/main" id="{B8E636F1-7FB3-52B4-F834-76D357596441}"/>
               </a:ext>
             </a:extLst>
           </p:cNvPr>
@@ -1659,7 +1659,7 @@
           <p:cNvPr id="5" name="文本占位符 4">
             <a:extLst>
               <a:ext uri="{FF2B5EF4-FFF2-40B4-BE49-F238E27FC236}">
-                <a16:creationId xmlns:a16="http://schemas.microsoft.com/office/drawing/2014/main" id="{440140C2-6C31-9397-5380-FD5C8744A871}"/>
+                <a16:creationId xmlns:a16="http://schemas.microsoft.com/office/drawing/2014/main" id="{F57C00AF-FCDC-F2EC-7D0F-5081ABFDA11D}"/>
               </a:ext>
             </a:extLst>
           </p:cNvPr>
@@ -1730,7 +1730,7 @@
           <p:cNvPr id="6" name="内容占位符 5">
             <a:extLst>
               <a:ext uri="{FF2B5EF4-FFF2-40B4-BE49-F238E27FC236}">
-                <a16:creationId xmlns:a16="http://schemas.microsoft.com/office/drawing/2014/main" id="{D30C11DD-9F11-12B2-CC1A-7F3D64076B5B}"/>
+                <a16:creationId xmlns:a16="http://schemas.microsoft.com/office/drawing/2014/main" id="{73C784A1-3C79-4D87-8BAC-7669D9613A9E}"/>
               </a:ext>
             </a:extLst>
           </p:cNvPr>
@@ -1792,7 +1792,7 @@
           <p:cNvPr id="7" name="日期占位符 6">
             <a:extLst>
               <a:ext uri="{FF2B5EF4-FFF2-40B4-BE49-F238E27FC236}">
-                <a16:creationId xmlns:a16="http://schemas.microsoft.com/office/drawing/2014/main" id="{BA3D188F-AC23-6CBE-0B74-37E36BEA5982}"/>
+                <a16:creationId xmlns:a16="http://schemas.microsoft.com/office/drawing/2014/main" id="{B6F89F4B-992D-B420-2C52-97D010E550DD}"/>
               </a:ext>
             </a:extLst>
           </p:cNvPr>
@@ -1808,7 +1808,7 @@
           <a:bodyPr/>
           <a:lstStyle/>
           <a:p>
-            <a:fld id="{78550BC0-5793-4C1C-81AD-40E117869683}" type="datetimeFigureOut">
+            <a:fld id="{6D81AE99-0449-417B-A1B8-7BF40C2FD800}" type="datetimeFigureOut">
               <a:rPr lang="zh-CN" altLang="en-US" smtClean="0"/>
               <a:t>2024/3/10</a:t>
             </a:fld>
@@ -1821,7 +1821,7 @@
           <p:cNvPr id="8" name="页脚占位符 7">
             <a:extLst>
               <a:ext uri="{FF2B5EF4-FFF2-40B4-BE49-F238E27FC236}">
-                <a16:creationId xmlns:a16="http://schemas.microsoft.com/office/drawing/2014/main" id="{B8343E40-DAE3-0797-7E7F-2227A8B86287}"/>
+                <a16:creationId xmlns:a16="http://schemas.microsoft.com/office/drawing/2014/main" id="{905B5595-3702-2E96-3E81-F4A0E8E67E24}"/>
               </a:ext>
             </a:extLst>
           </p:cNvPr>
@@ -1846,7 +1846,7 @@
           <p:cNvPr id="9" name="灯片编号占位符 8">
             <a:extLst>
               <a:ext uri="{FF2B5EF4-FFF2-40B4-BE49-F238E27FC236}">
-                <a16:creationId xmlns:a16="http://schemas.microsoft.com/office/drawing/2014/main" id="{837D416D-F6D5-662E-83F6-F1790AFC7472}"/>
+                <a16:creationId xmlns:a16="http://schemas.microsoft.com/office/drawing/2014/main" id="{5FC37C44-5541-8518-5724-270E86AD7A16}"/>
               </a:ext>
             </a:extLst>
           </p:cNvPr>
@@ -1862,7 +1862,7 @@
           <a:bodyPr/>
           <a:lstStyle/>
           <a:p>
-            <a:fld id="{C74AA3AD-6341-4CC6-AA0E-3AA9218F2E63}" type="slidenum">
+            <a:fld id="{8ABB8E6A-18D6-4A97-84DB-354FC748EA46}" type="slidenum">
               <a:rPr lang="zh-CN" altLang="en-US" smtClean="0"/>
               <a:t>‹#›</a:t>
             </a:fld>
@@ -1873,7 +1873,7 @@
     </p:spTree>
     <p:extLst>
       <p:ext uri="{BB962C8B-B14F-4D97-AF65-F5344CB8AC3E}">
-        <p14:creationId xmlns:p14="http://schemas.microsoft.com/office/powerpoint/2010/main" val="439750693"/>
+        <p14:creationId xmlns:p14="http://schemas.microsoft.com/office/powerpoint/2010/main" val="819740332"/>
       </p:ext>
     </p:extLst>
   </p:cSld>
@@ -1905,7 +1905,7 @@
           <p:cNvPr id="2" name="标题 1">
             <a:extLst>
               <a:ext uri="{FF2B5EF4-FFF2-40B4-BE49-F238E27FC236}">
-                <a16:creationId xmlns:a16="http://schemas.microsoft.com/office/drawing/2014/main" id="{ADB0ABEA-A145-DCD0-2688-A386611A2978}"/>
+                <a16:creationId xmlns:a16="http://schemas.microsoft.com/office/drawing/2014/main" id="{1423F00A-0CB8-9E53-EA64-C1ACDBE81D12}"/>
               </a:ext>
             </a:extLst>
           </p:cNvPr>
@@ -1933,7 +1933,7 @@
           <p:cNvPr id="3" name="日期占位符 2">
             <a:extLst>
               <a:ext uri="{FF2B5EF4-FFF2-40B4-BE49-F238E27FC236}">
-                <a16:creationId xmlns:a16="http://schemas.microsoft.com/office/drawing/2014/main" id="{DA116634-DEBA-5876-E508-68DF156351E4}"/>
+                <a16:creationId xmlns:a16="http://schemas.microsoft.com/office/drawing/2014/main" id="{B96EA889-F47A-A47A-CA7D-BA4EE45BDB8F}"/>
               </a:ext>
             </a:extLst>
           </p:cNvPr>
@@ -1949,7 +1949,7 @@
           <a:bodyPr/>
           <a:lstStyle/>
           <a:p>
-            <a:fld id="{78550BC0-5793-4C1C-81AD-40E117869683}" type="datetimeFigureOut">
+            <a:fld id="{6D81AE99-0449-417B-A1B8-7BF40C2FD800}" type="datetimeFigureOut">
               <a:rPr lang="zh-CN" altLang="en-US" smtClean="0"/>
               <a:t>2024/3/10</a:t>
             </a:fld>
@@ -1962,7 +1962,7 @@
           <p:cNvPr id="4" name="页脚占位符 3">
             <a:extLst>
               <a:ext uri="{FF2B5EF4-FFF2-40B4-BE49-F238E27FC236}">
-                <a16:creationId xmlns:a16="http://schemas.microsoft.com/office/drawing/2014/main" id="{14C75666-CE57-A21E-3263-4D743EB38EFD}"/>
+                <a16:creationId xmlns:a16="http://schemas.microsoft.com/office/drawing/2014/main" id="{75E35614-F8C0-FB93-87FC-4577A8D814DC}"/>
               </a:ext>
             </a:extLst>
           </p:cNvPr>
@@ -1987,7 +1987,7 @@
           <p:cNvPr id="5" name="灯片编号占位符 4">
             <a:extLst>
               <a:ext uri="{FF2B5EF4-FFF2-40B4-BE49-F238E27FC236}">
-                <a16:creationId xmlns:a16="http://schemas.microsoft.com/office/drawing/2014/main" id="{C23AE1D0-0A8C-D4B5-C3D3-32246DC65A9B}"/>
+                <a16:creationId xmlns:a16="http://schemas.microsoft.com/office/drawing/2014/main" id="{AB0FD442-F37D-0B9D-44F6-35A1273AC3B6}"/>
               </a:ext>
             </a:extLst>
           </p:cNvPr>
@@ -2003,7 +2003,7 @@
           <a:bodyPr/>
           <a:lstStyle/>
           <a:p>
-            <a:fld id="{C74AA3AD-6341-4CC6-AA0E-3AA9218F2E63}" type="slidenum">
+            <a:fld id="{8ABB8E6A-18D6-4A97-84DB-354FC748EA46}" type="slidenum">
               <a:rPr lang="zh-CN" altLang="en-US" smtClean="0"/>
               <a:t>‹#›</a:t>
             </a:fld>
@@ -2014,7 +2014,7 @@
     </p:spTree>
     <p:extLst>
       <p:ext uri="{BB962C8B-B14F-4D97-AF65-F5344CB8AC3E}">
-        <p14:creationId xmlns:p14="http://schemas.microsoft.com/office/powerpoint/2010/main" val="1685276974"/>
+        <p14:creationId xmlns:p14="http://schemas.microsoft.com/office/powerpoint/2010/main" val="2503524467"/>
       </p:ext>
     </p:extLst>
   </p:cSld>
@@ -2046,7 +2046,7 @@
           <p:cNvPr id="2" name="日期占位符 1">
             <a:extLst>
               <a:ext uri="{FF2B5EF4-FFF2-40B4-BE49-F238E27FC236}">
-                <a16:creationId xmlns:a16="http://schemas.microsoft.com/office/drawing/2014/main" id="{FCC8CCE4-941B-86CD-8775-970A2FE06496}"/>
+                <a16:creationId xmlns:a16="http://schemas.microsoft.com/office/drawing/2014/main" id="{CB9CE988-DC02-23AA-CDE7-4C9EAB393A74}"/>
               </a:ext>
             </a:extLst>
           </p:cNvPr>
@@ -2062,7 +2062,7 @@
           <a:bodyPr/>
           <a:lstStyle/>
           <a:p>
-            <a:fld id="{78550BC0-5793-4C1C-81AD-40E117869683}" type="datetimeFigureOut">
+            <a:fld id="{6D81AE99-0449-417B-A1B8-7BF40C2FD800}" type="datetimeFigureOut">
               <a:rPr lang="zh-CN" altLang="en-US" smtClean="0"/>
               <a:t>2024/3/10</a:t>
             </a:fld>
@@ -2075,7 +2075,7 @@
           <p:cNvPr id="3" name="页脚占位符 2">
             <a:extLst>
               <a:ext uri="{FF2B5EF4-FFF2-40B4-BE49-F238E27FC236}">
-                <a16:creationId xmlns:a16="http://schemas.microsoft.com/office/drawing/2014/main" id="{A0BEB52D-F2CF-E058-DDB0-51E06E23E8FE}"/>
+                <a16:creationId xmlns:a16="http://schemas.microsoft.com/office/drawing/2014/main" id="{5BDD5F61-881E-A65E-219E-3B5418B6FD05}"/>
               </a:ext>
             </a:extLst>
           </p:cNvPr>
@@ -2100,7 +2100,7 @@
           <p:cNvPr id="4" name="灯片编号占位符 3">
             <a:extLst>
               <a:ext uri="{FF2B5EF4-FFF2-40B4-BE49-F238E27FC236}">
-                <a16:creationId xmlns:a16="http://schemas.microsoft.com/office/drawing/2014/main" id="{21157A9D-2B11-0044-3DD8-6B73E15FACC4}"/>
+                <a16:creationId xmlns:a16="http://schemas.microsoft.com/office/drawing/2014/main" id="{5C947960-5362-FD34-EBD9-2203D753F778}"/>
               </a:ext>
             </a:extLst>
           </p:cNvPr>
@@ -2116,7 +2116,7 @@
           <a:bodyPr/>
           <a:lstStyle/>
           <a:p>
-            <a:fld id="{C74AA3AD-6341-4CC6-AA0E-3AA9218F2E63}" type="slidenum">
+            <a:fld id="{8ABB8E6A-18D6-4A97-84DB-354FC748EA46}" type="slidenum">
               <a:rPr lang="zh-CN" altLang="en-US" smtClean="0"/>
               <a:t>‹#›</a:t>
             </a:fld>
@@ -2127,7 +2127,7 @@
     </p:spTree>
     <p:extLst>
       <p:ext uri="{BB962C8B-B14F-4D97-AF65-F5344CB8AC3E}">
-        <p14:creationId xmlns:p14="http://schemas.microsoft.com/office/powerpoint/2010/main" val="1183207338"/>
+        <p14:creationId xmlns:p14="http://schemas.microsoft.com/office/powerpoint/2010/main" val="3275656508"/>
       </p:ext>
     </p:extLst>
   </p:cSld>
@@ -2159,7 +2159,7 @@
           <p:cNvPr id="2" name="标题 1">
             <a:extLst>
               <a:ext uri="{FF2B5EF4-FFF2-40B4-BE49-F238E27FC236}">
-                <a16:creationId xmlns:a16="http://schemas.microsoft.com/office/drawing/2014/main" id="{EAC53D75-4156-12D2-8084-A282684CA116}"/>
+                <a16:creationId xmlns:a16="http://schemas.microsoft.com/office/drawing/2014/main" id="{1559E8AA-3044-7BFF-7E8A-BB59E3AF35D2}"/>
               </a:ext>
             </a:extLst>
           </p:cNvPr>
@@ -2196,7 +2196,7 @@
           <p:cNvPr id="3" name="内容占位符 2">
             <a:extLst>
               <a:ext uri="{FF2B5EF4-FFF2-40B4-BE49-F238E27FC236}">
-                <a16:creationId xmlns:a16="http://schemas.microsoft.com/office/drawing/2014/main" id="{37D0EA03-450D-3FBF-BD2E-5E3E3277BB2C}"/>
+                <a16:creationId xmlns:a16="http://schemas.microsoft.com/office/drawing/2014/main" id="{37D76C5C-F14C-BCDF-95BD-2117EC2E7565}"/>
               </a:ext>
             </a:extLst>
           </p:cNvPr>
@@ -2286,7 +2286,7 @@
           <p:cNvPr id="4" name="文本占位符 3">
             <a:extLst>
               <a:ext uri="{FF2B5EF4-FFF2-40B4-BE49-F238E27FC236}">
-                <a16:creationId xmlns:a16="http://schemas.microsoft.com/office/drawing/2014/main" id="{DB3BC248-AF00-E145-382F-2633BA0656B0}"/>
+                <a16:creationId xmlns:a16="http://schemas.microsoft.com/office/drawing/2014/main" id="{C3A7CD17-0E7E-2DB7-6926-7E4CB3A1D9AD}"/>
               </a:ext>
             </a:extLst>
           </p:cNvPr>
@@ -2357,7 +2357,7 @@
           <p:cNvPr id="5" name="日期占位符 4">
             <a:extLst>
               <a:ext uri="{FF2B5EF4-FFF2-40B4-BE49-F238E27FC236}">
-                <a16:creationId xmlns:a16="http://schemas.microsoft.com/office/drawing/2014/main" id="{0E39D654-0D34-749D-8F92-60D30A439E88}"/>
+                <a16:creationId xmlns:a16="http://schemas.microsoft.com/office/drawing/2014/main" id="{2818286B-99F4-0955-BBAC-5CBBC5364AC5}"/>
               </a:ext>
             </a:extLst>
           </p:cNvPr>
@@ -2373,7 +2373,7 @@
           <a:bodyPr/>
           <a:lstStyle/>
           <a:p>
-            <a:fld id="{78550BC0-5793-4C1C-81AD-40E117869683}" type="datetimeFigureOut">
+            <a:fld id="{6D81AE99-0449-417B-A1B8-7BF40C2FD800}" type="datetimeFigureOut">
               <a:rPr lang="zh-CN" altLang="en-US" smtClean="0"/>
               <a:t>2024/3/10</a:t>
             </a:fld>
@@ -2386,7 +2386,7 @@
           <p:cNvPr id="6" name="页脚占位符 5">
             <a:extLst>
               <a:ext uri="{FF2B5EF4-FFF2-40B4-BE49-F238E27FC236}">
-                <a16:creationId xmlns:a16="http://schemas.microsoft.com/office/drawing/2014/main" id="{9FF63E7B-84C4-4926-3B9C-F7F6A5DC48CC}"/>
+                <a16:creationId xmlns:a16="http://schemas.microsoft.com/office/drawing/2014/main" id="{4D0BCC0D-6AE7-DACF-B27C-2F3093E377F5}"/>
               </a:ext>
             </a:extLst>
           </p:cNvPr>
@@ -2411,7 +2411,7 @@
           <p:cNvPr id="7" name="灯片编号占位符 6">
             <a:extLst>
               <a:ext uri="{FF2B5EF4-FFF2-40B4-BE49-F238E27FC236}">
-                <a16:creationId xmlns:a16="http://schemas.microsoft.com/office/drawing/2014/main" id="{D56BE5EC-EC01-C255-AA57-55610200D049}"/>
+                <a16:creationId xmlns:a16="http://schemas.microsoft.com/office/drawing/2014/main" id="{A8BCD4B8-7B84-1FF9-F3C9-F34C56341E46}"/>
               </a:ext>
             </a:extLst>
           </p:cNvPr>
@@ -2427,7 +2427,7 @@
           <a:bodyPr/>
           <a:lstStyle/>
           <a:p>
-            <a:fld id="{C74AA3AD-6341-4CC6-AA0E-3AA9218F2E63}" type="slidenum">
+            <a:fld id="{8ABB8E6A-18D6-4A97-84DB-354FC748EA46}" type="slidenum">
               <a:rPr lang="zh-CN" altLang="en-US" smtClean="0"/>
               <a:t>‹#›</a:t>
             </a:fld>
@@ -2438,7 +2438,7 @@
     </p:spTree>
     <p:extLst>
       <p:ext uri="{BB962C8B-B14F-4D97-AF65-F5344CB8AC3E}">
-        <p14:creationId xmlns:p14="http://schemas.microsoft.com/office/powerpoint/2010/main" val="3488753934"/>
+        <p14:creationId xmlns:p14="http://schemas.microsoft.com/office/powerpoint/2010/main" val="424074216"/>
       </p:ext>
     </p:extLst>
   </p:cSld>
@@ -2470,7 +2470,7 @@
           <p:cNvPr id="2" name="标题 1">
             <a:extLst>
               <a:ext uri="{FF2B5EF4-FFF2-40B4-BE49-F238E27FC236}">
-                <a16:creationId xmlns:a16="http://schemas.microsoft.com/office/drawing/2014/main" id="{C0DB8F28-191A-8ABC-6622-2DDEE11C8D33}"/>
+                <a16:creationId xmlns:a16="http://schemas.microsoft.com/office/drawing/2014/main" id="{855AC7F1-E6E7-39EF-F47E-A078C17F1DB6}"/>
               </a:ext>
             </a:extLst>
           </p:cNvPr>
@@ -2507,7 +2507,7 @@
           <p:cNvPr id="3" name="图片占位符 2">
             <a:extLst>
               <a:ext uri="{FF2B5EF4-FFF2-40B4-BE49-F238E27FC236}">
-                <a16:creationId xmlns:a16="http://schemas.microsoft.com/office/drawing/2014/main" id="{7B09B1D5-3DCE-E7F6-A6B5-09A7AC4015BF}"/>
+                <a16:creationId xmlns:a16="http://schemas.microsoft.com/office/drawing/2014/main" id="{EE94F356-A21D-7847-7BC0-701FB67E2B97}"/>
               </a:ext>
             </a:extLst>
           </p:cNvPr>
@@ -2574,7 +2574,7 @@
           <p:cNvPr id="4" name="文本占位符 3">
             <a:extLst>
               <a:ext uri="{FF2B5EF4-FFF2-40B4-BE49-F238E27FC236}">
-                <a16:creationId xmlns:a16="http://schemas.microsoft.com/office/drawing/2014/main" id="{96D98BD5-F130-4727-FF83-9B76DA80E4AC}"/>
+                <a16:creationId xmlns:a16="http://schemas.microsoft.com/office/drawing/2014/main" id="{FD30CBAE-B4AF-B5D3-CE0D-D365473ADB57}"/>
               </a:ext>
             </a:extLst>
           </p:cNvPr>
@@ -2645,7 +2645,7 @@
           <p:cNvPr id="5" name="日期占位符 4">
             <a:extLst>
               <a:ext uri="{FF2B5EF4-FFF2-40B4-BE49-F238E27FC236}">
-                <a16:creationId xmlns:a16="http://schemas.microsoft.com/office/drawing/2014/main" id="{D469CBDD-6EDB-95E6-2F34-912E23F109E1}"/>
+                <a16:creationId xmlns:a16="http://schemas.microsoft.com/office/drawing/2014/main" id="{3D10E268-26CE-ADF3-7D69-C21BDF7A3BDD}"/>
               </a:ext>
             </a:extLst>
           </p:cNvPr>
@@ -2661,7 +2661,7 @@
           <a:bodyPr/>
           <a:lstStyle/>
           <a:p>
-            <a:fld id="{78550BC0-5793-4C1C-81AD-40E117869683}" type="datetimeFigureOut">
+            <a:fld id="{6D81AE99-0449-417B-A1B8-7BF40C2FD800}" type="datetimeFigureOut">
               <a:rPr lang="zh-CN" altLang="en-US" smtClean="0"/>
               <a:t>2024/3/10</a:t>
             </a:fld>
@@ -2674,7 +2674,7 @@
           <p:cNvPr id="6" name="页脚占位符 5">
             <a:extLst>
               <a:ext uri="{FF2B5EF4-FFF2-40B4-BE49-F238E27FC236}">
-                <a16:creationId xmlns:a16="http://schemas.microsoft.com/office/drawing/2014/main" id="{26E84A50-1455-A70E-E1D8-0013994BBD44}"/>
+                <a16:creationId xmlns:a16="http://schemas.microsoft.com/office/drawing/2014/main" id="{6060E61B-A6A6-ED62-042B-5438CDDAF245}"/>
               </a:ext>
             </a:extLst>
           </p:cNvPr>
@@ -2699,7 +2699,7 @@
           <p:cNvPr id="7" name="灯片编号占位符 6">
             <a:extLst>
               <a:ext uri="{FF2B5EF4-FFF2-40B4-BE49-F238E27FC236}">
-                <a16:creationId xmlns:a16="http://schemas.microsoft.com/office/drawing/2014/main" id="{6F57A20E-1463-03BA-8512-26A8BA3F67D7}"/>
+                <a16:creationId xmlns:a16="http://schemas.microsoft.com/office/drawing/2014/main" id="{0B1C27AA-7056-122C-1FE4-AB001A9DC2B4}"/>
               </a:ext>
             </a:extLst>
           </p:cNvPr>
@@ -2715,7 +2715,7 @@
           <a:bodyPr/>
           <a:lstStyle/>
           <a:p>
-            <a:fld id="{C74AA3AD-6341-4CC6-AA0E-3AA9218F2E63}" type="slidenum">
+            <a:fld id="{8ABB8E6A-18D6-4A97-84DB-354FC748EA46}" type="slidenum">
               <a:rPr lang="zh-CN" altLang="en-US" smtClean="0"/>
               <a:t>‹#›</a:t>
             </a:fld>
@@ -2726,7 +2726,7 @@
     </p:spTree>
     <p:extLst>
       <p:ext uri="{BB962C8B-B14F-4D97-AF65-F5344CB8AC3E}">
-        <p14:creationId xmlns:p14="http://schemas.microsoft.com/office/powerpoint/2010/main" val="756273884"/>
+        <p14:creationId xmlns:p14="http://schemas.microsoft.com/office/powerpoint/2010/main" val="3845807883"/>
       </p:ext>
     </p:extLst>
   </p:cSld>
@@ -2763,7 +2763,7 @@
           <p:cNvPr id="2" name="标题占位符 1">
             <a:extLst>
               <a:ext uri="{FF2B5EF4-FFF2-40B4-BE49-F238E27FC236}">
-                <a16:creationId xmlns:a16="http://schemas.microsoft.com/office/drawing/2014/main" id="{8CA0F470-A0E3-FFD3-2DF9-D0090E1E5800}"/>
+                <a16:creationId xmlns:a16="http://schemas.microsoft.com/office/drawing/2014/main" id="{98A67452-1477-779D-7312-3669FA494167}"/>
               </a:ext>
             </a:extLst>
           </p:cNvPr>
@@ -2801,7 +2801,7 @@
           <p:cNvPr id="3" name="文本占位符 2">
             <a:extLst>
               <a:ext uri="{FF2B5EF4-FFF2-40B4-BE49-F238E27FC236}">
-                <a16:creationId xmlns:a16="http://schemas.microsoft.com/office/drawing/2014/main" id="{4299A263-D394-FCEC-D700-C75D547AE7D7}"/>
+                <a16:creationId xmlns:a16="http://schemas.microsoft.com/office/drawing/2014/main" id="{A6F0AF96-AAE5-C57F-75C3-88D8C32EC6A7}"/>
               </a:ext>
             </a:extLst>
           </p:cNvPr>
@@ -2868,7 +2868,7 @@
           <p:cNvPr id="4" name="日期占位符 3">
             <a:extLst>
               <a:ext uri="{FF2B5EF4-FFF2-40B4-BE49-F238E27FC236}">
-                <a16:creationId xmlns:a16="http://schemas.microsoft.com/office/drawing/2014/main" id="{E749EFEA-F41E-A4AA-88BA-6AF51D836E32}"/>
+                <a16:creationId xmlns:a16="http://schemas.microsoft.com/office/drawing/2014/main" id="{EB47E9BF-B379-DE00-F4D2-6AB97A62DFD3}"/>
               </a:ext>
             </a:extLst>
           </p:cNvPr>
@@ -2902,7 +2902,7 @@
             </a:lvl1pPr>
           </a:lstStyle>
           <a:p>
-            <a:fld id="{78550BC0-5793-4C1C-81AD-40E117869683}" type="datetimeFigureOut">
+            <a:fld id="{6D81AE99-0449-417B-A1B8-7BF40C2FD800}" type="datetimeFigureOut">
               <a:rPr lang="zh-CN" altLang="en-US" smtClean="0"/>
               <a:t>2024/3/10</a:t>
             </a:fld>
@@ -2915,7 +2915,7 @@
           <p:cNvPr id="5" name="页脚占位符 4">
             <a:extLst>
               <a:ext uri="{FF2B5EF4-FFF2-40B4-BE49-F238E27FC236}">
-                <a16:creationId xmlns:a16="http://schemas.microsoft.com/office/drawing/2014/main" id="{31036206-CDD0-095A-ECD8-C8F1B44E44CA}"/>
+                <a16:creationId xmlns:a16="http://schemas.microsoft.com/office/drawing/2014/main" id="{1CBDE72D-3FDE-6F43-2450-5AFF3371C730}"/>
               </a:ext>
             </a:extLst>
           </p:cNvPr>
@@ -2958,7 +2958,7 @@
           <p:cNvPr id="6" name="灯片编号占位符 5">
             <a:extLst>
               <a:ext uri="{FF2B5EF4-FFF2-40B4-BE49-F238E27FC236}">
-                <a16:creationId xmlns:a16="http://schemas.microsoft.com/office/drawing/2014/main" id="{5CF17CE1-246B-369E-2051-F84A661CE9CE}"/>
+                <a16:creationId xmlns:a16="http://schemas.microsoft.com/office/drawing/2014/main" id="{787D1039-006B-A925-5517-8FAB54D81E3D}"/>
               </a:ext>
             </a:extLst>
           </p:cNvPr>
@@ -2992,7 +2992,7 @@
             </a:lvl1pPr>
           </a:lstStyle>
           <a:p>
-            <a:fld id="{C74AA3AD-6341-4CC6-AA0E-3AA9218F2E63}" type="slidenum">
+            <a:fld id="{8ABB8E6A-18D6-4A97-84DB-354FC748EA46}" type="slidenum">
               <a:rPr lang="zh-CN" altLang="en-US" smtClean="0"/>
               <a:t>‹#›</a:t>
             </a:fld>
@@ -3003,7 +3003,7 @@
     </p:spTree>
     <p:extLst>
       <p:ext uri="{BB962C8B-B14F-4D97-AF65-F5344CB8AC3E}">
-        <p14:creationId xmlns:p14="http://schemas.microsoft.com/office/powerpoint/2010/main" val="3672464775"/>
+        <p14:creationId xmlns:p14="http://schemas.microsoft.com/office/powerpoint/2010/main" val="160880347"/>
       </p:ext>
     </p:extLst>
   </p:cSld>
